--- a/lectures/CSE8AW20-Jan-30-Lec8-Java-Continues/CSE8AW20-01-30-Lec8-Java-Continues-Handout.pptx
+++ b/lectures/CSE8AW20-Jan-30-Lec8-Java-Continues/CSE8AW20-01-30-Lec8-Java-Continues-Handout.pptx
@@ -3741,6 +3741,9 @@
           <a:p>
             <a:r>
               <a:rPr lang="en-US" sz="800" dirty="0">
+                <a:highlight>
+                  <a:srgbClr val="00FF00"/>
+                </a:highlight>
                 <a:latin typeface="Consolas" panose="020B0609020204030204" pitchFamily="49" charset="0"/>
                 <a:cs typeface="Consolas" panose="020B0609020204030204" pitchFamily="49" charset="0"/>
               </a:rPr>
@@ -3768,6 +3771,9 @@
           <a:p>
             <a:r>
               <a:rPr lang="en-US" sz="800" dirty="0">
+                <a:highlight>
+                  <a:srgbClr val="00FFFF"/>
+                </a:highlight>
                 <a:latin typeface="Consolas" panose="020B0609020204030204" pitchFamily="49" charset="0"/>
                 <a:cs typeface="Consolas" panose="020B0609020204030204" pitchFamily="49" charset="0"/>
               </a:rPr>
@@ -3795,6 +3801,9 @@
           <a:p>
             <a:r>
               <a:rPr lang="en-US" sz="800" dirty="0">
+                <a:highlight>
+                  <a:srgbClr val="00FFFF"/>
+                </a:highlight>
                 <a:latin typeface="Consolas" panose="020B0609020204030204" pitchFamily="49" charset="0"/>
                 <a:cs typeface="Consolas" panose="020B0609020204030204" pitchFamily="49" charset="0"/>
               </a:rPr>
@@ -3822,6 +3831,9 @@
           <a:p>
             <a:r>
               <a:rPr lang="en-US" sz="800" dirty="0">
+                <a:highlight>
+                  <a:srgbClr val="FFFF00"/>
+                </a:highlight>
                 <a:latin typeface="Consolas" panose="020B0609020204030204" pitchFamily="49" charset="0"/>
                 <a:cs typeface="Consolas" panose="020B0609020204030204" pitchFamily="49" charset="0"/>
               </a:rPr>
@@ -3984,8 +3996,8 @@
         </p:nvSpPr>
         <p:spPr>
           <a:xfrm>
-            <a:off x="4177102" y="4910060"/>
-            <a:ext cx="740908" cy="246221"/>
+            <a:off x="3866628" y="4910060"/>
+            <a:ext cx="1058303" cy="246221"/>
           </a:xfrm>
           <a:prstGeom prst="rect">
             <a:avLst/>
@@ -4005,7 +4017,7 @@
           <a:p>
             <a:r>
               <a:rPr lang="en-US" sz="1000" dirty="0" err="1"/>
-              <a:t>Letter.java</a:t>
+              <a:t>LetterGrade.java</a:t>
             </a:r>
             <a:endParaRPr lang="en-US" sz="1000" dirty="0"/>
           </a:p>
@@ -4481,7 +4493,7 @@
                 <a:latin typeface="Consolas" panose="020B0609020204030204" pitchFamily="49" charset="0"/>
                 <a:cs typeface="Consolas" panose="020B0609020204030204" pitchFamily="49" charset="0"/>
               </a:rPr>
-              <a:t>  _________ between(__________________________________________________) {</a:t>
+              <a:t>  static _________ between(__________________________________________________) {</a:t>
             </a:r>
           </a:p>
           <a:p>
@@ -4523,7 +4535,7 @@
                 <a:latin typeface="Consolas" panose="020B0609020204030204" pitchFamily="49" charset="0"/>
                 <a:cs typeface="Consolas" panose="020B0609020204030204" pitchFamily="49" charset="0"/>
               </a:rPr>
-              <a:t>  __________ abs(_____________________________________) {</a:t>
+              <a:t>  static __________ abs(_____________________________________) {</a:t>
             </a:r>
           </a:p>
           <a:p>
@@ -4583,7 +4595,7 @@
                 <a:latin typeface="Consolas" panose="020B0609020204030204" pitchFamily="49" charset="0"/>
                 <a:cs typeface="Consolas" panose="020B0609020204030204" pitchFamily="49" charset="0"/>
               </a:rPr>
-              <a:t>  __________ </a:t>
+              <a:t>  static __________ </a:t>
             </a:r>
             <a:r>
               <a:rPr lang="en-US" sz="800" dirty="0" err="1">
